--- a/Extending PowerApps and Flow using Custom Connectors.pptx
+++ b/Extending PowerApps and Flow using Custom Connectors.pptx
@@ -5190,6 +5190,50 @@
           </a:p>
         </p:txBody>
       </p:sp>
+      <p:pic>
+        <p:nvPicPr>
+          <p:cNvPr id="4" name="Picture 3">
+            <a:extLst>
+              <a:ext uri="{FF2B5EF4-FFF2-40B4-BE49-F238E27FC236}">
+                <a16:creationId xmlns:a16="http://schemas.microsoft.com/office/drawing/2014/main" id="{1E22E905-63D2-4829-AFF9-837F8C299C1C}"/>
+              </a:ext>
+            </a:extLst>
+          </p:cNvPr>
+          <p:cNvPicPr>
+            <a:picLocks noChangeAspect="1"/>
+          </p:cNvPicPr>
+          <p:nvPr/>
+        </p:nvPicPr>
+        <p:blipFill>
+          <a:blip r:embed="rId3"/>
+          <a:stretch>
+            <a:fillRect/>
+          </a:stretch>
+        </p:blipFill>
+        <p:spPr>
+          <a:xfrm>
+            <a:off x="810502" y="2438400"/>
+            <a:ext cx="7571498" cy="3846965"/>
+          </a:xfrm>
+          <a:prstGeom prst="rect">
+            <a:avLst/>
+          </a:prstGeom>
+          <a:solidFill>
+            <a:schemeClr val="tx1">
+              <a:lumMod val="50000"/>
+              <a:lumOff val="50000"/>
+            </a:schemeClr>
+          </a:solidFill>
+          <a:ln>
+            <a:solidFill>
+              <a:schemeClr val="tx1">
+                <a:lumMod val="50000"/>
+                <a:lumOff val="50000"/>
+              </a:schemeClr>
+            </a:solidFill>
+          </a:ln>
+        </p:spPr>
+      </p:pic>
     </p:spTree>
     <p:extLst>
       <p:ext uri="{BB962C8B-B14F-4D97-AF65-F5344CB8AC3E}">
@@ -6701,7 +6745,7 @@
         </p:blipFill>
         <p:spPr>
           <a:xfrm>
-            <a:off x="5181600" y="5105400"/>
+            <a:off x="5943600" y="5791200"/>
             <a:ext cx="3083109" cy="938981"/>
           </a:xfrm>
           <a:prstGeom prst="rect">
@@ -9383,21 +9427,6 @@
 </file>
 
 <file path=customXml/item2.xml><?xml version="1.0" encoding="utf-8"?>
-<p:properties xmlns:p="http://schemas.microsoft.com/office/2006/metadata/properties" xmlns:xsi="http://www.w3.org/2001/XMLSchema-instance">
-  <documentManagement/>
-</p:properties>
-</file>
-
-<file path=customXml/item3.xml><?xml version="1.0" encoding="utf-8"?>
-<?mso-contentType ?>
-<FormTemplates xmlns="http://schemas.microsoft.com/sharepoint/v3/contenttype/forms">
-  <Display>DocumentLibraryForm</Display>
-  <Edit>DocumentLibraryForm</Edit>
-  <New>DocumentLibraryForm</New>
-</FormTemplates>
-</file>
-
-<file path=customXml/item4.xml><?xml version="1.0" encoding="utf-8"?>
 <ct:contentTypeSchema xmlns:ct="http://schemas.microsoft.com/office/2006/metadata/contentType" xmlns:ma="http://schemas.microsoft.com/office/2006/metadata/properties/metaAttributes" ct:_="" ma:_="" ma:contentTypeName="Document" ma:contentTypeID="0x01010043F7775CCE86F349BB7C51FB3CE6B150" ma:contentTypeVersion="0" ma:contentTypeDescription="Create a new document." ma:contentTypeScope="" ma:versionID="bb563817a2861b6b5994bd26a2ba9e40">
   <xsd:schema xmlns:xsd="http://www.w3.org/2001/XMLSchema" xmlns:xs="http://www.w3.org/2001/XMLSchema" xmlns:p="http://schemas.microsoft.com/office/2006/metadata/properties" targetNamespace="http://schemas.microsoft.com/office/2006/metadata/properties" ma:root="true" ma:fieldsID="c64490b4aec6201516c3a874156f37b2">
     <xsd:element name="properties">
@@ -9511,6 +9540,21 @@
 </ct:contentTypeSchema>
 </file>
 
+<file path=customXml/item3.xml><?xml version="1.0" encoding="utf-8"?>
+<?mso-contentType ?>
+<FormTemplates xmlns="http://schemas.microsoft.com/sharepoint/v3/contenttype/forms">
+  <Display>DocumentLibraryForm</Display>
+  <Edit>DocumentLibraryForm</Edit>
+  <New>DocumentLibraryForm</New>
+</FormTemplates>
+</file>
+
+<file path=customXml/item4.xml><?xml version="1.0" encoding="utf-8"?>
+<p:properties xmlns:p="http://schemas.microsoft.com/office/2006/metadata/properties" xmlns:xsi="http://www.w3.org/2001/XMLSchema-instance">
+  <documentManagement/>
+</p:properties>
+</file>
+
 <file path=customXml/itemProps1.xml><?xml version="1.0" encoding="utf-8"?>
 <ds:datastoreItem xmlns:ds="http://schemas.openxmlformats.org/officeDocument/2006/customXml" ds:itemID="{8865FC99-B6BD-4E98-8312-F4F432C217EA}">
   <ds:schemaRefs>
@@ -9520,16 +9564,17 @@
 </file>
 
 <file path=customXml/itemProps2.xml><?xml version="1.0" encoding="utf-8"?>
-<ds:datastoreItem xmlns:ds="http://schemas.openxmlformats.org/officeDocument/2006/customXml" ds:itemID="{A5547237-B119-45CA-BEFC-A2DA2BDB03E7}">
+<ds:datastoreItem xmlns:ds="http://schemas.openxmlformats.org/officeDocument/2006/customXml" ds:itemID="{63F8C001-70B3-4AE4-BEC2-202AE4E30C7A}">
   <ds:schemaRefs>
+    <ds:schemaRef ds:uri="http://schemas.microsoft.com/office/2006/metadata/contentType"/>
+    <ds:schemaRef ds:uri="http://schemas.microsoft.com/office/2006/metadata/properties/metaAttributes"/>
+    <ds:schemaRef ds:uri="http://www.w3.org/2001/XMLSchema"/>
+    <ds:schemaRef ds:uri="http://schemas.microsoft.com/office/2006/metadata/properties"/>
+    <ds:schemaRef ds:uri="http://schemas.openxmlformats.org/package/2006/metadata/core-properties"/>
+    <ds:schemaRef ds:uri="http://purl.org/dc/elements/1.1/"/>
+    <ds:schemaRef ds:uri="http://purl.org/dc/terms/"/>
+    <ds:schemaRef ds:uri="http://schemas.microsoft.com/internal/obd"/>
     <ds:schemaRef ds:uri="http://schemas.microsoft.com/office/infopath/2007/PartnerControls"/>
-    <ds:schemaRef ds:uri="http://purl.org/dc/elements/1.1/"/>
-    <ds:schemaRef ds:uri="http://schemas.microsoft.com/office/2006/documentManagement/types"/>
-    <ds:schemaRef ds:uri="http://purl.org/dc/dcmitype/"/>
-    <ds:schemaRef ds:uri="http://www.w3.org/XML/1998/namespace"/>
-    <ds:schemaRef ds:uri="http://schemas.openxmlformats.org/package/2006/metadata/core-properties"/>
-    <ds:schemaRef ds:uri="http://schemas.microsoft.com/office/2006/metadata/properties"/>
-    <ds:schemaRef ds:uri="http://purl.org/dc/terms/"/>
   </ds:schemaRefs>
 </ds:datastoreItem>
 </file>
@@ -9543,17 +9588,16 @@
 </file>
 
 <file path=customXml/itemProps4.xml><?xml version="1.0" encoding="utf-8"?>
-<ds:datastoreItem xmlns:ds="http://schemas.openxmlformats.org/officeDocument/2006/customXml" ds:itemID="{63F8C001-70B3-4AE4-BEC2-202AE4E30C7A}">
+<ds:datastoreItem xmlns:ds="http://schemas.openxmlformats.org/officeDocument/2006/customXml" ds:itemID="{A5547237-B119-45CA-BEFC-A2DA2BDB03E7}">
   <ds:schemaRefs>
-    <ds:schemaRef ds:uri="http://schemas.microsoft.com/office/2006/metadata/contentType"/>
-    <ds:schemaRef ds:uri="http://schemas.microsoft.com/office/2006/metadata/properties/metaAttributes"/>
-    <ds:schemaRef ds:uri="http://www.w3.org/2001/XMLSchema"/>
+    <ds:schemaRef ds:uri="http://schemas.microsoft.com/office/infopath/2007/PartnerControls"/>
+    <ds:schemaRef ds:uri="http://purl.org/dc/elements/1.1/"/>
+    <ds:schemaRef ds:uri="http://schemas.microsoft.com/office/2006/documentManagement/types"/>
+    <ds:schemaRef ds:uri="http://purl.org/dc/dcmitype/"/>
+    <ds:schemaRef ds:uri="http://www.w3.org/XML/1998/namespace"/>
+    <ds:schemaRef ds:uri="http://schemas.openxmlformats.org/package/2006/metadata/core-properties"/>
     <ds:schemaRef ds:uri="http://schemas.microsoft.com/office/2006/metadata/properties"/>
-    <ds:schemaRef ds:uri="http://schemas.openxmlformats.org/package/2006/metadata/core-properties"/>
-    <ds:schemaRef ds:uri="http://purl.org/dc/elements/1.1/"/>
     <ds:schemaRef ds:uri="http://purl.org/dc/terms/"/>
-    <ds:schemaRef ds:uri="http://schemas.microsoft.com/internal/obd"/>
-    <ds:schemaRef ds:uri="http://schemas.microsoft.com/office/infopath/2007/PartnerControls"/>
   </ds:schemaRefs>
 </ds:datastoreItem>
 </file>